--- a/Parking Lot Management System.pptx
+++ b/Parking Lot Management System.pptx
@@ -5,18 +5,20 @@
     <p:sldMasterId id="2147483775" r:id="rId1"/>
   </p:sldMasterIdLst>
   <p:notesMasterIdLst>
-    <p:notesMasterId r:id="rId8"/>
+    <p:notesMasterId r:id="rId10"/>
   </p:notesMasterIdLst>
   <p:handoutMasterIdLst>
-    <p:handoutMasterId r:id="rId9"/>
+    <p:handoutMasterId r:id="rId11"/>
   </p:handoutMasterIdLst>
   <p:sldIdLst>
     <p:sldId id="2549" r:id="rId2"/>
-    <p:sldId id="2558" r:id="rId3"/>
-    <p:sldId id="2555" r:id="rId4"/>
-    <p:sldId id="2538" r:id="rId5"/>
-    <p:sldId id="2561" r:id="rId6"/>
-    <p:sldId id="2560" r:id="rId7"/>
+    <p:sldId id="2562" r:id="rId3"/>
+    <p:sldId id="2563" r:id="rId4"/>
+    <p:sldId id="2558" r:id="rId5"/>
+    <p:sldId id="2555" r:id="rId6"/>
+    <p:sldId id="2538" r:id="rId7"/>
+    <p:sldId id="2561" r:id="rId8"/>
+    <p:sldId id="2560" r:id="rId9"/>
   </p:sldIdLst>
   <p:sldSz cx="12192000" cy="6858000"/>
   <p:notesSz cx="6858000" cy="9144000"/>
@@ -729,7 +731,7 @@
           <a:p>
             <a:fld id="{99CAC06A-4905-4B1A-83C1-3B011A8CF04B}" type="slidenum">
               <a:rPr lang="en-US" smtClean="0"/>
-              <a:t>6</a:t>
+              <a:t>8</a:t>
             </a:fld>
             <a:endParaRPr lang="en-US" dirty="0"/>
           </a:p>
@@ -9344,10 +9346,10 @@
       </p:grpSpPr>
       <p:sp>
         <p:nvSpPr>
-          <p:cNvPr id="3" name="Content Placeholder 2">
-            <a:extLst>
-              <a:ext uri="{FF2B5EF4-FFF2-40B4-BE49-F238E27FC236}">
-                <a16:creationId xmlns:a16="http://schemas.microsoft.com/office/drawing/2014/main" id="{8786DAAE-C08D-46E3-A8CE-2D266D3974F7}"/>
+          <p:cNvPr id="2" name="Content Placeholder 1">
+            <a:extLst>
+              <a:ext uri="{FF2B5EF4-FFF2-40B4-BE49-F238E27FC236}">
+                <a16:creationId xmlns:a16="http://schemas.microsoft.com/office/drawing/2014/main" id="{F3C7D6D4-3625-A10A-09B0-C20B323CCB99}"/>
               </a:ext>
             </a:extLst>
           </p:cNvPr>
@@ -9366,39 +9368,64 @@
           <a:lstStyle/>
           <a:p>
             <a:r>
-              <a:rPr lang="en-US" sz="2800" dirty="0"/>
-              <a:t>Modeled parking lot with 3 slot types: Small, Large, Oversize.</a:t>
-            </a:r>
-          </a:p>
-          <a:p>
-            <a:r>
-              <a:rPr lang="en-US" sz="2800" dirty="0"/>
-              <a:t>Vehicles are assigned slots based on type.</a:t>
-            </a:r>
-          </a:p>
-          <a:p>
-            <a:r>
-              <a:rPr lang="en-US" sz="2800" dirty="0"/>
-              <a:t>CLI supports `enter`, `exit`, `status`, and `quit`.</a:t>
-            </a:r>
-          </a:p>
-          <a:p>
-            <a:r>
-              <a:rPr lang="en-US" sz="2800" dirty="0"/>
-              <a:t>Uses OOP principles and Java Collections.</a:t>
-            </a:r>
-          </a:p>
-          <a:p>
-            <a:endParaRPr lang="en-US" sz="2000" dirty="0"/>
-          </a:p>
-        </p:txBody>
-      </p:sp>
-      <p:sp>
-        <p:nvSpPr>
-          <p:cNvPr id="2" name="Title 1">
-            <a:extLst>
-              <a:ext uri="{FF2B5EF4-FFF2-40B4-BE49-F238E27FC236}">
-                <a16:creationId xmlns:a16="http://schemas.microsoft.com/office/drawing/2014/main" id="{F2A115AC-F6DD-4765-9553-9296098AFACF}"/>
+              <a:rPr lang="en-IN" sz="2800" dirty="0"/>
+              <a:t>The goal of this project was to simulate a </a:t>
+            </a:r>
+            <a:r>
+              <a:rPr lang="en-IN" sz="2800" b="1" dirty="0"/>
+              <a:t>real-world parking lot system</a:t>
+            </a:r>
+            <a:r>
+              <a:rPr lang="en-IN" sz="2800" dirty="0"/>
+              <a:t> using core Java principles. I took an </a:t>
+            </a:r>
+            <a:r>
+              <a:rPr lang="en-IN" sz="2800" b="1" dirty="0"/>
+              <a:t>object-oriented design approach</a:t>
+            </a:r>
+            <a:r>
+              <a:rPr lang="en-IN" sz="2800" dirty="0"/>
+              <a:t> to structure the application cleanly and logically.</a:t>
+            </a:r>
+          </a:p>
+          <a:p>
+            <a:r>
+              <a:rPr lang="en-IN" sz="2800" dirty="0"/>
+              <a:t>I started by identifying the key problem:</a:t>
+            </a:r>
+            <a:br>
+              <a:rPr lang="en-IN" sz="2800" dirty="0"/>
+            </a:br>
+            <a:r>
+              <a:rPr lang="en-IN" sz="2800" dirty="0"/>
+              <a:t>A parking lot should handle </a:t>
+            </a:r>
+            <a:r>
+              <a:rPr lang="en-IN" sz="2800" b="1" dirty="0"/>
+              <a:t>different types of vehicles</a:t>
+            </a:r>
+            <a:r>
+              <a:rPr lang="en-IN" sz="2800" dirty="0"/>
+              <a:t> — small cars, large cars, and oversize vehicles like SUVs and trucks. Each type needs a specific slot size. So, I decided to classify slots into </a:t>
+            </a:r>
+            <a:r>
+              <a:rPr lang="en-IN" sz="2800" b="1" dirty="0"/>
+              <a:t>three categories</a:t>
+            </a:r>
+            <a:r>
+              <a:rPr lang="en-IN" sz="2800" dirty="0"/>
+              <a:t>: Small, Large, and Oversize.</a:t>
+            </a:r>
+            <a:endParaRPr lang="en-US" sz="2800" dirty="0"/>
+          </a:p>
+        </p:txBody>
+      </p:sp>
+      <p:sp>
+        <p:nvSpPr>
+          <p:cNvPr id="3" name="Title 2">
+            <a:extLst>
+              <a:ext uri="{FF2B5EF4-FFF2-40B4-BE49-F238E27FC236}">
+                <a16:creationId xmlns:a16="http://schemas.microsoft.com/office/drawing/2014/main" id="{A0360B77-B5D2-E20F-E45A-1F9ED49EAAA4}"/>
               </a:ext>
             </a:extLst>
           </p:cNvPr>
@@ -9411,27 +9438,20 @@
         </p:nvSpPr>
         <p:spPr/>
         <p:txBody>
-          <a:bodyPr anchor="ctr">
-            <a:normAutofit/>
-          </a:bodyPr>
-          <a:lstStyle/>
-          <a:p>
-            <a:r>
-              <a:rPr lang="en-US" sz="3200" dirty="0"/>
-              <a:t>Approach and Design</a:t>
-            </a:r>
-            <a:endParaRPr lang="en-US" sz="3200" dirty="0">
-              <a:solidFill>
-                <a:srgbClr val="FFFEFF"/>
-              </a:solidFill>
-            </a:endParaRPr>
+          <a:bodyPr/>
+          <a:lstStyle/>
+          <a:p>
+            <a:r>
+              <a:rPr lang="en-US" dirty="0"/>
+              <a:t>Goal and Problem Understanding</a:t>
+            </a:r>
           </a:p>
         </p:txBody>
       </p:sp>
     </p:spTree>
     <p:extLst>
       <p:ext uri="{BB962C8B-B14F-4D97-AF65-F5344CB8AC3E}">
-        <p14:creationId xmlns:p14="http://schemas.microsoft.com/office/powerpoint/2010/main" val="492756523"/>
+        <p14:creationId xmlns:p14="http://schemas.microsoft.com/office/powerpoint/2010/main" val="3062103222"/>
       </p:ext>
     </p:extLst>
   </p:cSld>
@@ -9446,7 +9466,13 @@
   <p:cSld>
     <p:spTree>
       <p:nvGrpSpPr>
-        <p:cNvPr id="1" name=""/>
+        <p:cNvPr id="1" name="">
+          <a:extLst>
+            <a:ext uri="{FF2B5EF4-FFF2-40B4-BE49-F238E27FC236}">
+              <a16:creationId xmlns:a16="http://schemas.microsoft.com/office/drawing/2014/main" id="{9B63CE48-7918-62AC-F0A5-E6FB93429123}"/>
+            </a:ext>
+          </a:extLst>
+        </p:cNvPr>
         <p:cNvGrpSpPr/>
         <p:nvPr/>
       </p:nvGrpSpPr>
@@ -9460,10 +9486,10 @@
       </p:grpSpPr>
       <p:sp>
         <p:nvSpPr>
-          <p:cNvPr id="2" name="Title 1">
-            <a:extLst>
-              <a:ext uri="{FF2B5EF4-FFF2-40B4-BE49-F238E27FC236}">
-                <a16:creationId xmlns:a16="http://schemas.microsoft.com/office/drawing/2014/main" id="{803EBD9F-B88A-DC40-9E37-35CE23CC3A6E}"/>
+          <p:cNvPr id="2" name="Content Placeholder 1">
+            <a:extLst>
+              <a:ext uri="{FF2B5EF4-FFF2-40B4-BE49-F238E27FC236}">
+                <a16:creationId xmlns:a16="http://schemas.microsoft.com/office/drawing/2014/main" id="{B1E90C60-8367-90B9-5B99-3456ABECA47C}"/>
               </a:ext>
             </a:extLst>
           </p:cNvPr>
@@ -9471,121 +9497,93 @@
             <a:spLocks noGrp="1"/>
           </p:cNvSpPr>
           <p:nvPr>
-            <p:ph type="title"/>
+            <p:ph idx="1"/>
           </p:nvPr>
-        </p:nvSpPr>
-        <p:spPr/>
-        <p:txBody>
-          <a:bodyPr/>
-          <a:lstStyle/>
-          <a:p>
-            <a:r>
-              <a:rPr lang="en-US" dirty="0"/>
-              <a:t>Key Files and Folders</a:t>
-            </a:r>
-          </a:p>
-        </p:txBody>
-      </p:sp>
-      <p:sp>
-        <p:nvSpPr>
-          <p:cNvPr id="4" name="TextBox 3">
-            <a:extLst>
-              <a:ext uri="{FF2B5EF4-FFF2-40B4-BE49-F238E27FC236}">
-                <a16:creationId xmlns:a16="http://schemas.microsoft.com/office/drawing/2014/main" id="{B86E441E-E16E-A134-FB00-B38ADDD0A5A1}"/>
-              </a:ext>
-            </a:extLst>
-          </p:cNvPr>
-          <p:cNvSpPr txBox="1"/>
-          <p:nvPr/>
         </p:nvSpPr>
         <p:spPr>
           <a:xfrm>
-            <a:off x="5739774" y="2659830"/>
-            <a:ext cx="5901238" cy="3385542"/>
-          </a:xfrm>
-          <a:prstGeom prst="rect">
-            <a:avLst/>
-          </a:prstGeom>
-          <a:noFill/>
+            <a:off x="745588" y="689317"/>
+            <a:ext cx="10639589" cy="5274954"/>
+          </a:xfrm>
         </p:spPr>
         <p:txBody>
-          <a:bodyPr wrap="square" rtlCol="0">
-            <a:spAutoFit/>
+          <a:bodyPr>
+            <a:noAutofit/>
           </a:bodyPr>
           <a:lstStyle/>
           <a:p>
-            <a:pPr marL="457200" indent="-457200">
-              <a:buFont typeface="Wingdings" panose="05000000000000000000" pitchFamily="2" charset="2"/>
-              <a:buChar char="Ø"/>
-            </a:pPr>
-            <a:r>
-              <a:rPr lang="en-US" sz="2800" b="1" dirty="0" err="1"/>
-              <a:t>com.parkinglot</a:t>
-            </a:r>
-            <a:r>
-              <a:rPr lang="en-US" sz="2800" b="1" dirty="0"/>
-              <a:t> package contains:</a:t>
-            </a:r>
-          </a:p>
-          <a:p>
-            <a:pPr marL="457200" indent="-457200">
-              <a:buFont typeface="Wingdings" panose="05000000000000000000" pitchFamily="2" charset="2"/>
-              <a:buChar char="Ø"/>
-            </a:pPr>
-            <a:r>
-              <a:rPr lang="en-US" sz="2800" b="1" dirty="0"/>
-              <a:t>Main.java: CLI controller</a:t>
-            </a:r>
-          </a:p>
-          <a:p>
-            <a:pPr marL="457200" indent="-457200">
-              <a:buFont typeface="Wingdings" panose="05000000000000000000" pitchFamily="2" charset="2"/>
-              <a:buChar char="Ø"/>
-            </a:pPr>
-            <a:r>
-              <a:rPr lang="en-US" sz="2800" b="1" dirty="0"/>
-              <a:t>ParkingLot.java: Core logic</a:t>
-            </a:r>
-          </a:p>
-          <a:p>
-            <a:pPr marL="457200" indent="-457200">
-              <a:buFont typeface="Wingdings" panose="05000000000000000000" pitchFamily="2" charset="2"/>
-              <a:buChar char="Ø"/>
-            </a:pPr>
-            <a:r>
-              <a:rPr lang="en-US" sz="2800" b="1" dirty="0"/>
-              <a:t>Slot.java: Slot info</a:t>
-            </a:r>
-          </a:p>
-          <a:p>
-            <a:pPr marL="457200" indent="-457200">
-              <a:buFont typeface="Wingdings" panose="05000000000000000000" pitchFamily="2" charset="2"/>
-              <a:buChar char="Ø"/>
-            </a:pPr>
-            <a:r>
-              <a:rPr lang="en-US" sz="2800" b="1" dirty="0"/>
-              <a:t>Vehicle.java: Vehicle object</a:t>
-            </a:r>
-          </a:p>
-          <a:p>
-            <a:pPr marL="457200" indent="-457200">
-              <a:buFont typeface="Wingdings" panose="05000000000000000000" pitchFamily="2" charset="2"/>
-              <a:buChar char="Ø"/>
-            </a:pPr>
-            <a:r>
-              <a:rPr lang="en-US" sz="2800" b="1" dirty="0"/>
-              <a:t>VehicleType.java: Enum for vehicle types</a:t>
-            </a:r>
-          </a:p>
-          <a:p>
-            <a:endParaRPr lang="en-US" b="1" dirty="0"/>
+            <a:r>
+              <a:rPr lang="en-IN" sz="2800" dirty="0"/>
+              <a:t>I used OOP (Object-Oriented Programming) concepts to keep the design modular, reusable, and easy to manage:</a:t>
+            </a:r>
+          </a:p>
+          <a:p>
+            <a:r>
+              <a:rPr lang="en-IN" sz="2800" dirty="0"/>
+              <a:t>A Vehicle class holds the plate number and vehicle type.</a:t>
+            </a:r>
+          </a:p>
+          <a:p>
+            <a:r>
+              <a:rPr lang="en-IN" sz="2800" dirty="0"/>
+              <a:t>A Slot class represents each parking spot and tracks if it’s occupied.</a:t>
+            </a:r>
+          </a:p>
+          <a:p>
+            <a:r>
+              <a:rPr lang="en-IN" sz="2800" dirty="0"/>
+              <a:t>An </a:t>
+            </a:r>
+            <a:r>
+              <a:rPr lang="en-IN" sz="2800" dirty="0" err="1"/>
+              <a:t>enum</a:t>
+            </a:r>
+            <a:r>
+              <a:rPr lang="en-IN" sz="2800" dirty="0"/>
+              <a:t> called </a:t>
+            </a:r>
+            <a:r>
+              <a:rPr lang="en-IN" sz="2800" dirty="0" err="1"/>
+              <a:t>VehicleType</a:t>
+            </a:r>
+            <a:r>
+              <a:rPr lang="en-IN" sz="2800" dirty="0"/>
+              <a:t> defines the supported categories.</a:t>
+            </a:r>
+          </a:p>
+          <a:p>
+            <a:r>
+              <a:rPr lang="en-IN" sz="2800" dirty="0"/>
+              <a:t>The main logic sits in the </a:t>
+            </a:r>
+            <a:r>
+              <a:rPr lang="en-IN" sz="2800" dirty="0" err="1"/>
+              <a:t>ParkingLot</a:t>
+            </a:r>
+            <a:r>
+              <a:rPr lang="en-IN" sz="2800" dirty="0"/>
+              <a:t> class, which manages:</a:t>
+            </a:r>
+          </a:p>
+          <a:p>
+            <a:r>
+              <a:rPr lang="en-IN" sz="2800" dirty="0"/>
+              <a:t>Available slots (using a queue for each type)</a:t>
+            </a:r>
+          </a:p>
+          <a:p>
+            <a:r>
+              <a:rPr lang="en-IN" sz="2800" dirty="0"/>
+              <a:t>Filled slots (using a map for quick lookup by plate number)</a:t>
+            </a:r>
+            <a:endParaRPr lang="en-US" sz="2800" dirty="0"/>
           </a:p>
         </p:txBody>
       </p:sp>
     </p:spTree>
     <p:extLst>
       <p:ext uri="{BB962C8B-B14F-4D97-AF65-F5344CB8AC3E}">
-        <p14:creationId xmlns:p14="http://schemas.microsoft.com/office/powerpoint/2010/main" val="3594982849"/>
+        <p14:creationId xmlns:p14="http://schemas.microsoft.com/office/powerpoint/2010/main" val="628658567"/>
       </p:ext>
     </p:extLst>
   </p:cSld>
@@ -9614,10 +9612,61 @@
       </p:grpSpPr>
       <p:sp>
         <p:nvSpPr>
+          <p:cNvPr id="3" name="Content Placeholder 2">
+            <a:extLst>
+              <a:ext uri="{FF2B5EF4-FFF2-40B4-BE49-F238E27FC236}">
+                <a16:creationId xmlns:a16="http://schemas.microsoft.com/office/drawing/2014/main" id="{8786DAAE-C08D-46E3-A8CE-2D266D3974F7}"/>
+              </a:ext>
+            </a:extLst>
+          </p:cNvPr>
+          <p:cNvSpPr>
+            <a:spLocks noGrp="1"/>
+          </p:cNvSpPr>
+          <p:nvPr>
+            <p:ph idx="1"/>
+          </p:nvPr>
+        </p:nvSpPr>
+        <p:spPr/>
+        <p:txBody>
+          <a:bodyPr>
+            <a:normAutofit/>
+          </a:bodyPr>
+          <a:lstStyle/>
+          <a:p>
+            <a:r>
+              <a:rPr lang="en-US" sz="2800" dirty="0"/>
+              <a:t>Modeled parking lot with 3 slot types: Small, Large, Oversize.</a:t>
+            </a:r>
+          </a:p>
+          <a:p>
+            <a:r>
+              <a:rPr lang="en-US" sz="2800" dirty="0"/>
+              <a:t>Vehicles are assigned slots based on type.</a:t>
+            </a:r>
+          </a:p>
+          <a:p>
+            <a:r>
+              <a:rPr lang="en-US" sz="2800" dirty="0"/>
+              <a:t>CLI supports `enter`, `exit`, `status`, and `quit`.</a:t>
+            </a:r>
+          </a:p>
+          <a:p>
+            <a:r>
+              <a:rPr lang="en-US" sz="2800" dirty="0"/>
+              <a:t>Uses OOP principles and Java Collections.</a:t>
+            </a:r>
+          </a:p>
+          <a:p>
+            <a:endParaRPr lang="en-US" sz="2000" dirty="0"/>
+          </a:p>
+        </p:txBody>
+      </p:sp>
+      <p:sp>
+        <p:nvSpPr>
           <p:cNvPr id="2" name="Title 1">
             <a:extLst>
               <a:ext uri="{FF2B5EF4-FFF2-40B4-BE49-F238E27FC236}">
-                <a16:creationId xmlns:a16="http://schemas.microsoft.com/office/drawing/2014/main" id="{BB6C8D45-FD19-C44E-9C71-E67674704498}"/>
+                <a16:creationId xmlns:a16="http://schemas.microsoft.com/office/drawing/2014/main" id="{F2A115AC-F6DD-4765-9553-9296098AFACF}"/>
               </a:ext>
             </a:extLst>
           </p:cNvPr>
@@ -9630,111 +9679,27 @@
         </p:nvSpPr>
         <p:spPr/>
         <p:txBody>
-          <a:bodyPr/>
-          <a:lstStyle/>
-          <a:p>
-            <a:r>
-              <a:rPr lang="en-US" dirty="0"/>
-              <a:t>Run, Test, and Verify</a:t>
-            </a:r>
-          </a:p>
-        </p:txBody>
-      </p:sp>
-      <p:sp>
-        <p:nvSpPr>
-          <p:cNvPr id="3" name="TextBox 2">
-            <a:extLst>
-              <a:ext uri="{FF2B5EF4-FFF2-40B4-BE49-F238E27FC236}">
-                <a16:creationId xmlns:a16="http://schemas.microsoft.com/office/drawing/2014/main" id="{E3D54363-C4D4-858B-0D33-A5BEB9F3C421}"/>
-              </a:ext>
-            </a:extLst>
-          </p:cNvPr>
-          <p:cNvSpPr txBox="1"/>
-          <p:nvPr/>
-        </p:nvSpPr>
-        <p:spPr>
-          <a:xfrm>
-            <a:off x="5759116" y="2339411"/>
-            <a:ext cx="6591613" cy="3108543"/>
-          </a:xfrm>
-          <a:prstGeom prst="rect">
-            <a:avLst/>
-          </a:prstGeom>
-          <a:noFill/>
-        </p:spPr>
-        <p:txBody>
-          <a:bodyPr wrap="none" rtlCol="0">
-            <a:spAutoFit/>
+          <a:bodyPr anchor="ctr">
+            <a:normAutofit/>
           </a:bodyPr>
           <a:lstStyle/>
           <a:p>
-            <a:pPr marL="457200" indent="-457200">
-              <a:buFont typeface="Wingdings" panose="05000000000000000000" pitchFamily="2" charset="2"/>
-              <a:buChar char="Ø"/>
-            </a:pPr>
-            <a:r>
-              <a:rPr lang="en-US" sz="2800" b="1" dirty="0"/>
-              <a:t>Compile using `</a:t>
-            </a:r>
-            <a:r>
-              <a:rPr lang="en-US" sz="2800" b="1" dirty="0" err="1"/>
-              <a:t>javac</a:t>
-            </a:r>
-            <a:r>
-              <a:rPr lang="en-US" sz="2800" b="1" dirty="0"/>
-              <a:t>` or run in IntelliJ.</a:t>
-            </a:r>
-          </a:p>
-          <a:p>
-            <a:pPr marL="457200" indent="-457200">
-              <a:buFont typeface="Wingdings" panose="05000000000000000000" pitchFamily="2" charset="2"/>
-              <a:buChar char="Ø"/>
-            </a:pPr>
-            <a:r>
-              <a:rPr lang="en-US" sz="2800" b="1" dirty="0"/>
-              <a:t>Run Main.java to start CLI.</a:t>
-            </a:r>
-          </a:p>
-          <a:p>
-            <a:pPr marL="457200" indent="-457200">
-              <a:buFont typeface="Wingdings" panose="05000000000000000000" pitchFamily="2" charset="2"/>
-              <a:buChar char="Ø"/>
-            </a:pPr>
-            <a:r>
-              <a:rPr lang="en-US" sz="2800" b="1" dirty="0"/>
-              <a:t>Test with commands:</a:t>
-            </a:r>
-          </a:p>
-          <a:p>
-            <a:r>
-              <a:rPr lang="en-US" sz="2800" b="1" dirty="0"/>
-              <a:t>     • enter small KA1234</a:t>
-            </a:r>
-          </a:p>
-          <a:p>
-            <a:r>
-              <a:rPr lang="en-US" sz="2800" b="1" dirty="0"/>
-              <a:t>     • enter large DL5678</a:t>
-            </a:r>
-          </a:p>
-          <a:p>
-            <a:r>
-              <a:rPr lang="en-US" sz="2800" b="1" dirty="0"/>
-              <a:t>     • status</a:t>
-            </a:r>
-          </a:p>
-          <a:p>
-            <a:r>
-              <a:rPr lang="en-US" sz="2800" b="1" dirty="0"/>
-              <a:t>     • exit KA1234</a:t>
-            </a:r>
+            <a:r>
+              <a:rPr lang="en-US" sz="3200" dirty="0"/>
+              <a:t>Approach and Design</a:t>
+            </a:r>
+            <a:endParaRPr lang="en-US" sz="3200" dirty="0">
+              <a:solidFill>
+                <a:srgbClr val="FFFEFF"/>
+              </a:solidFill>
+            </a:endParaRPr>
           </a:p>
         </p:txBody>
       </p:sp>
     </p:spTree>
     <p:extLst>
       <p:ext uri="{BB962C8B-B14F-4D97-AF65-F5344CB8AC3E}">
-        <p14:creationId xmlns:p14="http://schemas.microsoft.com/office/powerpoint/2010/main" val="1315040610"/>
+        <p14:creationId xmlns:p14="http://schemas.microsoft.com/office/powerpoint/2010/main" val="492756523"/>
       </p:ext>
     </p:extLst>
   </p:cSld>
@@ -9766,6 +9731,309 @@
           <p:cNvPr id="2" name="Title 1">
             <a:extLst>
               <a:ext uri="{FF2B5EF4-FFF2-40B4-BE49-F238E27FC236}">
+                <a16:creationId xmlns:a16="http://schemas.microsoft.com/office/drawing/2014/main" id="{803EBD9F-B88A-DC40-9E37-35CE23CC3A6E}"/>
+              </a:ext>
+            </a:extLst>
+          </p:cNvPr>
+          <p:cNvSpPr>
+            <a:spLocks noGrp="1"/>
+          </p:cNvSpPr>
+          <p:nvPr>
+            <p:ph type="title"/>
+          </p:nvPr>
+        </p:nvSpPr>
+        <p:spPr/>
+        <p:txBody>
+          <a:bodyPr/>
+          <a:lstStyle/>
+          <a:p>
+            <a:r>
+              <a:rPr lang="en-US" dirty="0"/>
+              <a:t>Key Files and Folders</a:t>
+            </a:r>
+          </a:p>
+        </p:txBody>
+      </p:sp>
+      <p:sp>
+        <p:nvSpPr>
+          <p:cNvPr id="4" name="TextBox 3">
+            <a:extLst>
+              <a:ext uri="{FF2B5EF4-FFF2-40B4-BE49-F238E27FC236}">
+                <a16:creationId xmlns:a16="http://schemas.microsoft.com/office/drawing/2014/main" id="{B86E441E-E16E-A134-FB00-B38ADDD0A5A1}"/>
+              </a:ext>
+            </a:extLst>
+          </p:cNvPr>
+          <p:cNvSpPr txBox="1"/>
+          <p:nvPr/>
+        </p:nvSpPr>
+        <p:spPr>
+          <a:xfrm>
+            <a:off x="5739774" y="2659830"/>
+            <a:ext cx="5901238" cy="3385542"/>
+          </a:xfrm>
+          <a:prstGeom prst="rect">
+            <a:avLst/>
+          </a:prstGeom>
+          <a:noFill/>
+        </p:spPr>
+        <p:txBody>
+          <a:bodyPr wrap="square" rtlCol="0">
+            <a:spAutoFit/>
+          </a:bodyPr>
+          <a:lstStyle/>
+          <a:p>
+            <a:pPr marL="457200" indent="-457200">
+              <a:buFont typeface="Wingdings" panose="05000000000000000000" pitchFamily="2" charset="2"/>
+              <a:buChar char="Ø"/>
+            </a:pPr>
+            <a:r>
+              <a:rPr lang="en-US" sz="2800" b="1" dirty="0" err="1"/>
+              <a:t>com.parkinglot</a:t>
+            </a:r>
+            <a:r>
+              <a:rPr lang="en-US" sz="2800" b="1" dirty="0"/>
+              <a:t> package contains:</a:t>
+            </a:r>
+          </a:p>
+          <a:p>
+            <a:pPr marL="457200" indent="-457200">
+              <a:buFont typeface="Wingdings" panose="05000000000000000000" pitchFamily="2" charset="2"/>
+              <a:buChar char="Ø"/>
+            </a:pPr>
+            <a:r>
+              <a:rPr lang="en-US" sz="2800" b="1" dirty="0"/>
+              <a:t>Main.java: CLI controller</a:t>
+            </a:r>
+          </a:p>
+          <a:p>
+            <a:pPr marL="457200" indent="-457200">
+              <a:buFont typeface="Wingdings" panose="05000000000000000000" pitchFamily="2" charset="2"/>
+              <a:buChar char="Ø"/>
+            </a:pPr>
+            <a:r>
+              <a:rPr lang="en-US" sz="2800" b="1" dirty="0"/>
+              <a:t>ParkingLot.java: Core logic</a:t>
+            </a:r>
+          </a:p>
+          <a:p>
+            <a:pPr marL="457200" indent="-457200">
+              <a:buFont typeface="Wingdings" panose="05000000000000000000" pitchFamily="2" charset="2"/>
+              <a:buChar char="Ø"/>
+            </a:pPr>
+            <a:r>
+              <a:rPr lang="en-US" sz="2800" b="1" dirty="0"/>
+              <a:t>Slot.java: Slot info</a:t>
+            </a:r>
+          </a:p>
+          <a:p>
+            <a:pPr marL="457200" indent="-457200">
+              <a:buFont typeface="Wingdings" panose="05000000000000000000" pitchFamily="2" charset="2"/>
+              <a:buChar char="Ø"/>
+            </a:pPr>
+            <a:r>
+              <a:rPr lang="en-US" sz="2800" b="1" dirty="0"/>
+              <a:t>Vehicle.java: Vehicle object</a:t>
+            </a:r>
+          </a:p>
+          <a:p>
+            <a:pPr marL="457200" indent="-457200">
+              <a:buFont typeface="Wingdings" panose="05000000000000000000" pitchFamily="2" charset="2"/>
+              <a:buChar char="Ø"/>
+            </a:pPr>
+            <a:r>
+              <a:rPr lang="en-US" sz="2800" b="1" dirty="0"/>
+              <a:t>VehicleType.java: Enum for vehicle types</a:t>
+            </a:r>
+          </a:p>
+          <a:p>
+            <a:endParaRPr lang="en-US" b="1" dirty="0"/>
+          </a:p>
+        </p:txBody>
+      </p:sp>
+    </p:spTree>
+    <p:extLst>
+      <p:ext uri="{BB962C8B-B14F-4D97-AF65-F5344CB8AC3E}">
+        <p14:creationId xmlns:p14="http://schemas.microsoft.com/office/powerpoint/2010/main" val="3594982849"/>
+      </p:ext>
+    </p:extLst>
+  </p:cSld>
+  <p:clrMapOvr>
+    <a:masterClrMapping/>
+  </p:clrMapOvr>
+</p:sld>
+</file>
+
+<file path=ppt/slides/slide6.xml><?xml version="1.0" encoding="utf-8"?>
+<p:sld xmlns:a="http://schemas.openxmlformats.org/drawingml/2006/main" xmlns:r="http://schemas.openxmlformats.org/officeDocument/2006/relationships" xmlns:p="http://schemas.openxmlformats.org/presentationml/2006/main">
+  <p:cSld>
+    <p:spTree>
+      <p:nvGrpSpPr>
+        <p:cNvPr id="1" name=""/>
+        <p:cNvGrpSpPr/>
+        <p:nvPr/>
+      </p:nvGrpSpPr>
+      <p:grpSpPr>
+        <a:xfrm>
+          <a:off x="0" y="0"/>
+          <a:ext cx="0" cy="0"/>
+          <a:chOff x="0" y="0"/>
+          <a:chExt cx="0" cy="0"/>
+        </a:xfrm>
+      </p:grpSpPr>
+      <p:sp>
+        <p:nvSpPr>
+          <p:cNvPr id="2" name="Title 1">
+            <a:extLst>
+              <a:ext uri="{FF2B5EF4-FFF2-40B4-BE49-F238E27FC236}">
+                <a16:creationId xmlns:a16="http://schemas.microsoft.com/office/drawing/2014/main" id="{BB6C8D45-FD19-C44E-9C71-E67674704498}"/>
+              </a:ext>
+            </a:extLst>
+          </p:cNvPr>
+          <p:cNvSpPr>
+            <a:spLocks noGrp="1"/>
+          </p:cNvSpPr>
+          <p:nvPr>
+            <p:ph type="title"/>
+          </p:nvPr>
+        </p:nvSpPr>
+        <p:spPr/>
+        <p:txBody>
+          <a:bodyPr/>
+          <a:lstStyle/>
+          <a:p>
+            <a:r>
+              <a:rPr lang="en-US" dirty="0"/>
+              <a:t>Run, Test, and Verify</a:t>
+            </a:r>
+          </a:p>
+        </p:txBody>
+      </p:sp>
+      <p:sp>
+        <p:nvSpPr>
+          <p:cNvPr id="3" name="TextBox 2">
+            <a:extLst>
+              <a:ext uri="{FF2B5EF4-FFF2-40B4-BE49-F238E27FC236}">
+                <a16:creationId xmlns:a16="http://schemas.microsoft.com/office/drawing/2014/main" id="{E3D54363-C4D4-858B-0D33-A5BEB9F3C421}"/>
+              </a:ext>
+            </a:extLst>
+          </p:cNvPr>
+          <p:cNvSpPr txBox="1"/>
+          <p:nvPr/>
+        </p:nvSpPr>
+        <p:spPr>
+          <a:xfrm>
+            <a:off x="5759116" y="2339411"/>
+            <a:ext cx="6591613" cy="3108543"/>
+          </a:xfrm>
+          <a:prstGeom prst="rect">
+            <a:avLst/>
+          </a:prstGeom>
+          <a:noFill/>
+        </p:spPr>
+        <p:txBody>
+          <a:bodyPr wrap="none" rtlCol="0">
+            <a:spAutoFit/>
+          </a:bodyPr>
+          <a:lstStyle/>
+          <a:p>
+            <a:pPr marL="457200" indent="-457200">
+              <a:buFont typeface="Wingdings" panose="05000000000000000000" pitchFamily="2" charset="2"/>
+              <a:buChar char="Ø"/>
+            </a:pPr>
+            <a:r>
+              <a:rPr lang="en-US" sz="2800" b="1" dirty="0"/>
+              <a:t>Compile using `</a:t>
+            </a:r>
+            <a:r>
+              <a:rPr lang="en-US" sz="2800" b="1" dirty="0" err="1"/>
+              <a:t>javac</a:t>
+            </a:r>
+            <a:r>
+              <a:rPr lang="en-US" sz="2800" b="1" dirty="0"/>
+              <a:t>` or run in IntelliJ.</a:t>
+            </a:r>
+          </a:p>
+          <a:p>
+            <a:pPr marL="457200" indent="-457200">
+              <a:buFont typeface="Wingdings" panose="05000000000000000000" pitchFamily="2" charset="2"/>
+              <a:buChar char="Ø"/>
+            </a:pPr>
+            <a:r>
+              <a:rPr lang="en-US" sz="2800" b="1" dirty="0"/>
+              <a:t>Run Main.java to start CLI.</a:t>
+            </a:r>
+          </a:p>
+          <a:p>
+            <a:pPr marL="457200" indent="-457200">
+              <a:buFont typeface="Wingdings" panose="05000000000000000000" pitchFamily="2" charset="2"/>
+              <a:buChar char="Ø"/>
+            </a:pPr>
+            <a:r>
+              <a:rPr lang="en-US" sz="2800" b="1" dirty="0"/>
+              <a:t>Test with commands:</a:t>
+            </a:r>
+          </a:p>
+          <a:p>
+            <a:r>
+              <a:rPr lang="en-US" sz="2800" b="1" dirty="0"/>
+              <a:t>     • enter small KA1234</a:t>
+            </a:r>
+          </a:p>
+          <a:p>
+            <a:r>
+              <a:rPr lang="en-US" sz="2800" b="1" dirty="0"/>
+              <a:t>     • enter large DL5678</a:t>
+            </a:r>
+          </a:p>
+          <a:p>
+            <a:r>
+              <a:rPr lang="en-US" sz="2800" b="1" dirty="0"/>
+              <a:t>     • status</a:t>
+            </a:r>
+          </a:p>
+          <a:p>
+            <a:r>
+              <a:rPr lang="en-US" sz="2800" b="1" dirty="0"/>
+              <a:t>     • exit KA1234</a:t>
+            </a:r>
+          </a:p>
+        </p:txBody>
+      </p:sp>
+    </p:spTree>
+    <p:extLst>
+      <p:ext uri="{BB962C8B-B14F-4D97-AF65-F5344CB8AC3E}">
+        <p14:creationId xmlns:p14="http://schemas.microsoft.com/office/powerpoint/2010/main" val="1315040610"/>
+      </p:ext>
+    </p:extLst>
+  </p:cSld>
+  <p:clrMapOvr>
+    <a:masterClrMapping/>
+  </p:clrMapOvr>
+</p:sld>
+</file>
+
+<file path=ppt/slides/slide7.xml><?xml version="1.0" encoding="utf-8"?>
+<p:sld xmlns:a="http://schemas.openxmlformats.org/drawingml/2006/main" xmlns:r="http://schemas.openxmlformats.org/officeDocument/2006/relationships" xmlns:p="http://schemas.openxmlformats.org/presentationml/2006/main">
+  <p:cSld>
+    <p:spTree>
+      <p:nvGrpSpPr>
+        <p:cNvPr id="1" name=""/>
+        <p:cNvGrpSpPr/>
+        <p:nvPr/>
+      </p:nvGrpSpPr>
+      <p:grpSpPr>
+        <a:xfrm>
+          <a:off x="0" y="0"/>
+          <a:ext cx="0" cy="0"/>
+          <a:chOff x="0" y="0"/>
+          <a:chExt cx="0" cy="0"/>
+        </a:xfrm>
+      </p:grpSpPr>
+      <p:sp>
+        <p:nvSpPr>
+          <p:cNvPr id="2" name="Title 1">
+            <a:extLst>
+              <a:ext uri="{FF2B5EF4-FFF2-40B4-BE49-F238E27FC236}">
                 <a16:creationId xmlns:a16="http://schemas.microsoft.com/office/drawing/2014/main" id="{7216FF43-FEE8-4114-1146-858B850D1541}"/>
               </a:ext>
             </a:extLst>
@@ -9901,7 +10169,7 @@
 </p:sld>
 </file>
 
-<file path=ppt/slides/slide6.xml><?xml version="1.0" encoding="utf-8"?>
+<file path=ppt/slides/slide8.xml><?xml version="1.0" encoding="utf-8"?>
 <p:sld xmlns:a="http://schemas.openxmlformats.org/drawingml/2006/main" xmlns:r="http://schemas.openxmlformats.org/officeDocument/2006/relationships" xmlns:p="http://schemas.openxmlformats.org/presentationml/2006/main">
   <p:cSld>
     <p:spTree>
